--- a/r-project-mgmt-repro/docs/nihl-r-project-mgmt.pptx
+++ b/r-project-mgmt-repro/docs/nihl-r-project-mgmt.pptx
@@ -6,22 +6,21 @@
     <p:sldMasterId id="2147483669" r:id="rId5"/>
   </p:sldMasterIdLst>
   <p:notesMasterIdLst>
-    <p:notesMasterId r:id="rId19"/>
+    <p:notesMasterId r:id="rId18"/>
   </p:notesMasterIdLst>
   <p:sldIdLst>
-    <p:sldId id="265" r:id="rId6"/>
-    <p:sldId id="275" r:id="rId7"/>
-    <p:sldId id="266" r:id="rId8"/>
-    <p:sldId id="267" r:id="rId9"/>
-    <p:sldId id="257" r:id="rId10"/>
-    <p:sldId id="270" r:id="rId11"/>
-    <p:sldId id="271" r:id="rId12"/>
-    <p:sldId id="272" r:id="rId13"/>
-    <p:sldId id="273" r:id="rId14"/>
-    <p:sldId id="274" r:id="rId15"/>
-    <p:sldId id="268" r:id="rId16"/>
-    <p:sldId id="263" r:id="rId17"/>
-    <p:sldId id="261" r:id="rId18"/>
+    <p:sldId id="275" r:id="rId6"/>
+    <p:sldId id="266" r:id="rId7"/>
+    <p:sldId id="267" r:id="rId8"/>
+    <p:sldId id="257" r:id="rId9"/>
+    <p:sldId id="270" r:id="rId10"/>
+    <p:sldId id="271" r:id="rId11"/>
+    <p:sldId id="272" r:id="rId12"/>
+    <p:sldId id="273" r:id="rId13"/>
+    <p:sldId id="274" r:id="rId14"/>
+    <p:sldId id="268" r:id="rId15"/>
+    <p:sldId id="263" r:id="rId16"/>
+    <p:sldId id="261" r:id="rId17"/>
   </p:sldIdLst>
   <p:sldSz cx="12192000" cy="6858000"/>
   <p:notesSz cx="6858000" cy="9144000"/>
@@ -218,7 +217,7 @@
           <a:p>
             <a:fld id="{E99CC2E1-E063-4F03-BE65-33B5EE774AB3}" type="datetimeFigureOut">
               <a:rPr lang="en-US" smtClean="0"/>
-              <a:t>7/26/22</a:t>
+              <a:t>8/1/22</a:t>
             </a:fld>
             <a:endParaRPr lang="en-US"/>
           </a:p>
@@ -550,7 +549,7 @@
           <a:p>
             <a:fld id="{4A4B1717-F3D4-4537-98D9-2D53D2FEF0EC}" type="slidenum">
               <a:rPr lang="en-US" smtClean="0"/>
-              <a:t>11</a:t>
+              <a:t>10</a:t>
             </a:fld>
             <a:endParaRPr lang="en-US"/>
           </a:p>
@@ -5213,7 +5212,7 @@
           <a:p>
             <a:r>
               <a:rPr lang="en-US" dirty="0"/>
-              <a:t>Audio Connection and Chat (WebEx)</a:t>
+              <a:t>Audio Connection and Chat (Zoom)</a:t>
             </a:r>
           </a:p>
         </p:txBody>
@@ -5242,14 +5241,13 @@
               </a:ext>
             </a:extLst>
           </a:blip>
-          <a:stretch>
-            <a:fillRect/>
-          </a:stretch>
+          <a:srcRect/>
+          <a:stretch/>
         </p:blipFill>
         <p:spPr>
           <a:xfrm>
-            <a:off x="8020641" y="1002962"/>
-            <a:ext cx="3318020" cy="2983646"/>
+            <a:off x="6918979" y="1040973"/>
+            <a:ext cx="5029200" cy="3079829"/>
           </a:xfrm>
           <a:prstGeom prst="rect">
             <a:avLst/>
@@ -5268,397 +5266,12 @@
           </a:effectLst>
         </p:spPr>
       </p:pic>
-      <p:grpSp>
-        <p:nvGrpSpPr>
-          <p:cNvPr id="15" name="Group 14">
+      <p:sp>
+        <p:nvSpPr>
+          <p:cNvPr id="6" name="Rectangle 5">
             <a:extLst>
               <a:ext uri="{FF2B5EF4-FFF2-40B4-BE49-F238E27FC236}">
-                <a16:creationId xmlns:a16="http://schemas.microsoft.com/office/drawing/2014/main" id="{FB00EACE-3837-4033-94B5-C4A1BF20E54C}"/>
-              </a:ext>
-            </a:extLst>
-          </p:cNvPr>
-          <p:cNvGrpSpPr/>
-          <p:nvPr/>
-        </p:nvGrpSpPr>
-        <p:grpSpPr>
-          <a:xfrm>
-            <a:off x="330003" y="991784"/>
-            <a:ext cx="7132468" cy="5216813"/>
-            <a:chOff x="619372" y="999542"/>
-            <a:chExt cx="6960136" cy="5216813"/>
-          </a:xfrm>
-        </p:grpSpPr>
-        <p:sp>
-          <p:nvSpPr>
-            <p:cNvPr id="6" name="Rectangle 5">
-              <a:extLst>
-                <a:ext uri="{FF2B5EF4-FFF2-40B4-BE49-F238E27FC236}">
-                  <a16:creationId xmlns:a16="http://schemas.microsoft.com/office/drawing/2014/main" id="{C835E23B-5CCA-4ABF-A605-55B5E72F7D40}"/>
-                </a:ext>
-              </a:extLst>
-            </p:cNvPr>
-            <p:cNvSpPr/>
-            <p:nvPr/>
-          </p:nvSpPr>
-          <p:spPr>
-            <a:xfrm>
-              <a:off x="619372" y="999542"/>
-              <a:ext cx="6960136" cy="5216813"/>
-            </a:xfrm>
-            <a:prstGeom prst="rect">
-              <a:avLst/>
-            </a:prstGeom>
-          </p:spPr>
-          <p:txBody>
-            <a:bodyPr wrap="square">
-              <a:spAutoFit/>
-            </a:bodyPr>
-            <a:lstStyle/>
-            <a:p>
-              <a:pPr marL="0" marR="0" lvl="0" indent="0" algn="l" defTabSz="914400" rtl="0" eaLnBrk="1" fontAlgn="auto" latinLnBrk="0" hangingPunct="1">
-                <a:lnSpc>
-                  <a:spcPct val="100000"/>
-                </a:lnSpc>
-                <a:buClrTx/>
-                <a:buSzTx/>
-                <a:buFontTx/>
-                <a:buNone/>
-                <a:tabLst/>
-                <a:defRPr/>
-              </a:pPr>
-              <a:r>
-                <a:rPr kumimoji="0" lang="en-US" sz="3200" b="1" u="none" strike="noStrike" kern="1200" cap="none" spc="0" normalizeH="0" baseline="0" noProof="0" dirty="0">
-                  <a:ln>
-                    <a:noFill/>
-                  </a:ln>
-                  <a:solidFill>
-                    <a:srgbClr val="6A6B6C"/>
-                  </a:solidFill>
-                  <a:effectLst/>
-                  <a:uLnTx/>
-                  <a:uFillTx/>
-                  <a:latin typeface="Calibri" panose="020F0502020204030204" pitchFamily="34" charset="0"/>
-                  <a:ea typeface="+mn-ea"/>
-                  <a:cs typeface="Calibri" panose="020F0502020204030204" pitchFamily="34" charset="0"/>
-                </a:rPr>
-                <a:t>You will not hear any sound </a:t>
-              </a:r>
-              <a:br>
-                <a:rPr kumimoji="0" lang="en-US" sz="3200" b="1" u="none" strike="noStrike" kern="1200" cap="none" spc="0" normalizeH="0" baseline="0" noProof="0" dirty="0">
-                  <a:ln>
-                    <a:noFill/>
-                  </a:ln>
-                  <a:solidFill>
-                    <a:srgbClr val="6A6B6C"/>
-                  </a:solidFill>
-                  <a:effectLst/>
-                  <a:uLnTx/>
-                  <a:uFillTx/>
-                  <a:latin typeface="Calibri" panose="020F0502020204030204" pitchFamily="34" charset="0"/>
-                  <a:ea typeface="+mn-ea"/>
-                  <a:cs typeface="Calibri" panose="020F0502020204030204" pitchFamily="34" charset="0"/>
-                </a:rPr>
-              </a:br>
-              <a:r>
-                <a:rPr kumimoji="0" lang="en-US" sz="3200" b="1" u="none" strike="noStrike" kern="1200" cap="none" spc="0" normalizeH="0" baseline="0" noProof="0" dirty="0">
-                  <a:ln>
-                    <a:noFill/>
-                  </a:ln>
-                  <a:solidFill>
-                    <a:srgbClr val="6A6B6C"/>
-                  </a:solidFill>
-                  <a:effectLst/>
-                  <a:uLnTx/>
-                  <a:uFillTx/>
-                  <a:latin typeface="Calibri" panose="020F0502020204030204" pitchFamily="34" charset="0"/>
-                  <a:ea typeface="+mn-ea"/>
-                  <a:cs typeface="Calibri" panose="020F0502020204030204" pitchFamily="34" charset="0"/>
-                </a:rPr>
-                <a:t>until the webinar starts.</a:t>
-              </a:r>
-              <a:endParaRPr lang="en-US" sz="2800" b="1" dirty="0">
-                <a:solidFill>
-                  <a:srgbClr val="5F5F5F"/>
-                </a:solidFill>
-                <a:latin typeface="Calibri" panose="020F0502020204030204" pitchFamily="34" charset="0"/>
-                <a:cs typeface="Calibri" panose="020F0502020204030204" pitchFamily="34" charset="0"/>
-              </a:endParaRPr>
-            </a:p>
-            <a:p>
-              <a:pPr lvl="0">
-                <a:spcBef>
-                  <a:spcPts val="900"/>
-                </a:spcBef>
-                <a:defRPr/>
-              </a:pPr>
-              <a:r>
-                <a:rPr lang="en-US" sz="2600" b="1" dirty="0">
-                  <a:solidFill>
-                    <a:schemeClr val="accent1">
-                      <a:lumMod val="75000"/>
-                    </a:schemeClr>
-                  </a:solidFill>
-                  <a:latin typeface="Calibri" panose="020F0502020204030204" pitchFamily="34" charset="0"/>
-                  <a:cs typeface="Calibri" panose="020F0502020204030204" pitchFamily="34" charset="0"/>
-                </a:rPr>
-                <a:t>Connect Audio</a:t>
-              </a:r>
-            </a:p>
-            <a:p>
-              <a:pPr lvl="0">
-                <a:defRPr/>
-              </a:pPr>
-              <a:r>
-                <a:rPr lang="en-US" sz="2200" dirty="0">
-                  <a:solidFill>
-                    <a:srgbClr val="5F5F5F"/>
-                  </a:solidFill>
-                  <a:latin typeface="Calibri" panose="020F0502020204030204" pitchFamily="34" charset="0"/>
-                  <a:cs typeface="Calibri" panose="020F0502020204030204" pitchFamily="34" charset="0"/>
-                </a:rPr>
-                <a:t>When you join WebEx, the </a:t>
-              </a:r>
-              <a:r>
-                <a:rPr lang="en-US" sz="2200" b="1" i="1" dirty="0">
-                  <a:solidFill>
-                    <a:srgbClr val="5F5F5F"/>
-                  </a:solidFill>
-                  <a:latin typeface="Calibri" panose="020F0502020204030204" pitchFamily="34" charset="0"/>
-                  <a:cs typeface="Calibri" panose="020F0502020204030204" pitchFamily="34" charset="0"/>
-                </a:rPr>
-                <a:t>Audio and Video Connection</a:t>
-              </a:r>
-              <a:r>
-                <a:rPr lang="en-US" sz="2200" dirty="0">
-                  <a:solidFill>
-                    <a:srgbClr val="5F5F5F"/>
-                  </a:solidFill>
-                  <a:latin typeface="Calibri" panose="020F0502020204030204" pitchFamily="34" charset="0"/>
-                  <a:cs typeface="Calibri" panose="020F0502020204030204" pitchFamily="34" charset="0"/>
-                </a:rPr>
-                <a:t> dialog box appears. </a:t>
-              </a:r>
-            </a:p>
-            <a:p>
-              <a:pPr>
-                <a:defRPr/>
-              </a:pPr>
-              <a:r>
-                <a:rPr lang="en-US" sz="2200" dirty="0">
-                  <a:solidFill>
-                    <a:srgbClr val="5F5F5F"/>
-                  </a:solidFill>
-                  <a:latin typeface="Calibri" panose="020F0502020204030204" pitchFamily="34" charset="0"/>
-                  <a:cs typeface="Calibri" panose="020F0502020204030204" pitchFamily="34" charset="0"/>
-                </a:rPr>
-                <a:t>Choose audio connection preference (computer, phone, or a video device) then select </a:t>
-              </a:r>
-              <a:r>
-                <a:rPr lang="en-US" sz="2200" b="1" i="1" dirty="0">
-                  <a:solidFill>
-                    <a:srgbClr val="5F5F5F"/>
-                  </a:solidFill>
-                  <a:latin typeface="Calibri" panose="020F0502020204030204" pitchFamily="34" charset="0"/>
-                  <a:cs typeface="Calibri" panose="020F0502020204030204" pitchFamily="34" charset="0"/>
-                </a:rPr>
-                <a:t>Connect Audio</a:t>
-              </a:r>
-              <a:r>
-                <a:rPr lang="en-US" sz="2200" dirty="0">
-                  <a:solidFill>
-                    <a:srgbClr val="5F5F5F"/>
-                  </a:solidFill>
-                  <a:latin typeface="Calibri" panose="020F0502020204030204" pitchFamily="34" charset="0"/>
-                  <a:cs typeface="Calibri" panose="020F0502020204030204" pitchFamily="34" charset="0"/>
-                </a:rPr>
-                <a:t>.</a:t>
-              </a:r>
-              <a:endParaRPr lang="en-US" sz="2400" b="1" dirty="0">
-                <a:solidFill>
-                  <a:srgbClr val="5F5F5F"/>
-                </a:solidFill>
-                <a:latin typeface="Calibri" panose="020F0502020204030204" pitchFamily="34" charset="0"/>
-                <a:cs typeface="Calibri" panose="020F0502020204030204" pitchFamily="34" charset="0"/>
-              </a:endParaRPr>
-            </a:p>
-            <a:p>
-              <a:pPr lvl="0">
-                <a:defRPr/>
-              </a:pPr>
-              <a:r>
-                <a:rPr lang="en-US" sz="2200" dirty="0">
-                  <a:solidFill>
-                    <a:srgbClr val="5F5F5F"/>
-                  </a:solidFill>
-                  <a:latin typeface="Calibri" panose="020F0502020204030204" pitchFamily="34" charset="0"/>
-                  <a:cs typeface="Calibri" panose="020F0502020204030204" pitchFamily="34" charset="0"/>
-                </a:rPr>
-                <a:t>If you don’t choose an audio connection at the start of your session, you can select the connect audio and video icon </a:t>
-              </a:r>
-              <a:br>
-                <a:rPr lang="en-US" sz="2200" dirty="0">
-                  <a:solidFill>
-                    <a:srgbClr val="5F5F5F"/>
-                  </a:solidFill>
-                  <a:latin typeface="Calibri" panose="020F0502020204030204" pitchFamily="34" charset="0"/>
-                  <a:cs typeface="Calibri" panose="020F0502020204030204" pitchFamily="34" charset="0"/>
-                </a:rPr>
-              </a:br>
-              <a:r>
-                <a:rPr lang="en-US" sz="2200" dirty="0">
-                  <a:solidFill>
-                    <a:srgbClr val="5F5F5F"/>
-                  </a:solidFill>
-                  <a:latin typeface="Calibri" panose="020F0502020204030204" pitchFamily="34" charset="0"/>
-                  <a:cs typeface="Calibri" panose="020F0502020204030204" pitchFamily="34" charset="0"/>
-                </a:rPr>
-                <a:t>at any time to access the audio connection dialog box. </a:t>
-              </a:r>
-            </a:p>
-            <a:p>
-              <a:pPr>
-                <a:spcBef>
-                  <a:spcPts val="900"/>
-                </a:spcBef>
-                <a:defRPr/>
-              </a:pPr>
-              <a:r>
-                <a:rPr lang="en-US" sz="2600" b="1" dirty="0">
-                  <a:solidFill>
-                    <a:schemeClr val="accent1">
-                      <a:lumMod val="75000"/>
-                    </a:schemeClr>
-                  </a:solidFill>
-                  <a:latin typeface="Calibri" panose="020F0502020204030204" pitchFamily="34" charset="0"/>
-                  <a:cs typeface="Calibri" panose="020F0502020204030204" pitchFamily="34" charset="0"/>
-                </a:rPr>
-                <a:t>Chat</a:t>
-              </a:r>
-            </a:p>
-            <a:p>
-              <a:pPr>
-                <a:defRPr/>
-              </a:pPr>
-              <a:r>
-                <a:rPr lang="en-US" sz="2200" dirty="0">
-                  <a:solidFill>
-                    <a:srgbClr val="6A6B6C"/>
-                  </a:solidFill>
-                  <a:latin typeface="Calibri" panose="020F0502020204030204" pitchFamily="34" charset="0"/>
-                  <a:cs typeface="Calibri" panose="020F0502020204030204" pitchFamily="34" charset="0"/>
-                </a:rPr>
-                <a:t>Please send your chat to </a:t>
-              </a:r>
-              <a:r>
-                <a:rPr lang="en-US" sz="2200" b="1" i="1" dirty="0">
-                  <a:solidFill>
-                    <a:srgbClr val="5F5F5F"/>
-                  </a:solidFill>
-                  <a:latin typeface="Calibri" panose="020F0502020204030204" pitchFamily="34" charset="0"/>
-                  <a:cs typeface="Calibri" panose="020F0502020204030204" pitchFamily="34" charset="0"/>
-                </a:rPr>
-                <a:t>All Participants </a:t>
-              </a:r>
-              <a:r>
-                <a:rPr lang="en-US" sz="2200" dirty="0">
-                  <a:solidFill>
-                    <a:srgbClr val="6A6B6C"/>
-                  </a:solidFill>
-                  <a:latin typeface="Calibri" panose="020F0502020204030204" pitchFamily="34" charset="0"/>
-                  <a:cs typeface="Calibri" panose="020F0502020204030204" pitchFamily="34" charset="0"/>
-                </a:rPr>
-                <a:t>to make sure </a:t>
-              </a:r>
-              <a:br>
-                <a:rPr lang="en-US" sz="2200" dirty="0">
-                  <a:solidFill>
-                    <a:srgbClr val="6A6B6C"/>
-                  </a:solidFill>
-                  <a:latin typeface="Calibri" panose="020F0502020204030204" pitchFamily="34" charset="0"/>
-                  <a:cs typeface="Calibri" panose="020F0502020204030204" pitchFamily="34" charset="0"/>
-                </a:rPr>
-              </a:br>
-              <a:r>
-                <a:rPr lang="en-US" sz="2200" dirty="0">
-                  <a:solidFill>
-                    <a:srgbClr val="6A6B6C"/>
-                  </a:solidFill>
-                  <a:latin typeface="Calibri" panose="020F0502020204030204" pitchFamily="34" charset="0"/>
-                  <a:cs typeface="Calibri" panose="020F0502020204030204" pitchFamily="34" charset="0"/>
-                </a:rPr>
-                <a:t>the monitor sees your question.</a:t>
-              </a:r>
-              <a:endParaRPr kumimoji="0" lang="en-US" sz="2200" b="0" i="0" u="none" strike="noStrike" kern="1200" cap="none" spc="0" normalizeH="0" baseline="0" noProof="0" dirty="0">
-                <a:ln>
-                  <a:noFill/>
-                </a:ln>
-                <a:solidFill>
-                  <a:prstClr val="black"/>
-                </a:solidFill>
-                <a:effectLst/>
-                <a:uLnTx/>
-                <a:uFillTx/>
-                <a:latin typeface="Calibri" panose="020F0502020204030204" pitchFamily="34" charset="0"/>
-                <a:ea typeface="+mn-ea"/>
-                <a:cs typeface="Calibri" panose="020F0502020204030204" pitchFamily="34" charset="0"/>
-              </a:endParaRPr>
-            </a:p>
-          </p:txBody>
-        </p:sp>
-        <p:pic>
-          <p:nvPicPr>
-            <p:cNvPr id="10" name="Picture 4" descr="https://www.cisco.com/content/dam/en/us/td/i/400001-500000/420001-430000/427001-428000/427393.jpg">
-              <a:extLst>
-                <a:ext uri="{FF2B5EF4-FFF2-40B4-BE49-F238E27FC236}">
-                  <a16:creationId xmlns:a16="http://schemas.microsoft.com/office/drawing/2014/main" id="{0ED8144E-C56F-41A2-B2A2-3C9FB71BCCD2}"/>
-                </a:ext>
-              </a:extLst>
-            </p:cNvPr>
-            <p:cNvPicPr>
-              <a:picLocks noChangeAspect="1" noChangeArrowheads="1"/>
-            </p:cNvPicPr>
-            <p:nvPr/>
-          </p:nvPicPr>
-          <p:blipFill>
-            <a:blip r:embed="rId3">
-              <a:extLst>
-                <a:ext uri="{28A0092B-C50C-407E-A947-70E740481C1C}">
-                  <a14:useLocalDpi xmlns:a14="http://schemas.microsoft.com/office/drawing/2010/main" val="0"/>
-                </a:ext>
-              </a:extLst>
-            </a:blip>
-            <a:srcRect/>
-            <a:stretch>
-              <a:fillRect/>
-            </a:stretch>
-          </p:blipFill>
-          <p:spPr bwMode="auto">
-            <a:xfrm>
-              <a:off x="7058037" y="4190999"/>
-              <a:ext cx="442155" cy="436633"/>
-            </a:xfrm>
-            <a:prstGeom prst="rect">
-              <a:avLst/>
-            </a:prstGeom>
-            <a:noFill/>
-            <a:extLst>
-              <a:ext uri="{909E8E84-426E-40DD-AFC4-6F175D3DCCD1}">
-                <a14:hiddenFill xmlns:a14="http://schemas.microsoft.com/office/drawing/2010/main">
-                  <a:solidFill>
-                    <a:srgbClr val="FFFFFF"/>
-                  </a:solidFill>
-                </a14:hiddenFill>
-              </a:ext>
-            </a:extLst>
-          </p:spPr>
-        </p:pic>
-      </p:grpSp>
-      <p:sp>
-        <p:nvSpPr>
-          <p:cNvPr id="12" name="Arrow: Left 11">
-            <a:extLst>
-              <a:ext uri="{FF2B5EF4-FFF2-40B4-BE49-F238E27FC236}">
-                <a16:creationId xmlns:a16="http://schemas.microsoft.com/office/drawing/2014/main" id="{1FEF93F7-8772-4764-98FC-84A8BDAAEFA2}"/>
+                <a16:creationId xmlns:a16="http://schemas.microsoft.com/office/drawing/2014/main" id="{C835E23B-5CCA-4ABF-A605-55B5E72F7D40}"/>
               </a:ext>
             </a:extLst>
           </p:cNvPr>
@@ -5667,168 +5280,349 @@
         </p:nvSpPr>
         <p:spPr>
           <a:xfrm>
-            <a:off x="10466060" y="3027861"/>
-            <a:ext cx="1116340" cy="619455"/>
+            <a:off x="330003" y="991784"/>
+            <a:ext cx="6467839" cy="5155257"/>
           </a:xfrm>
-          <a:prstGeom prst="leftArrow">
+          <a:prstGeom prst="rect">
             <a:avLst/>
           </a:prstGeom>
-          <a:solidFill>
-            <a:srgbClr val="C00000"/>
-          </a:solidFill>
-          <a:ln w="38100">
-            <a:solidFill>
-              <a:schemeClr val="tx1"/>
-            </a:solidFill>
-          </a:ln>
         </p:spPr>
-        <p:style>
-          <a:lnRef idx="2">
-            <a:schemeClr val="accent2">
-              <a:shade val="50000"/>
-            </a:schemeClr>
-          </a:lnRef>
-          <a:fillRef idx="1">
-            <a:schemeClr val="accent2"/>
-          </a:fillRef>
-          <a:effectRef idx="0">
-            <a:schemeClr val="accent2"/>
-          </a:effectRef>
-          <a:fontRef idx="minor">
-            <a:schemeClr val="lt1"/>
-          </a:fontRef>
-        </p:style>
         <p:txBody>
-          <a:bodyPr rtlCol="0" anchor="ctr"/>
+          <a:bodyPr wrap="square">
+            <a:spAutoFit/>
+          </a:bodyPr>
           <a:lstStyle/>
           <a:p>
-            <a:pPr algn="ctr"/>
-            <a:endParaRPr lang="en-US"/>
+            <a:pPr marL="0" marR="0" lvl="0" indent="0" algn="l" defTabSz="914400" rtl="0" eaLnBrk="1" fontAlgn="auto" latinLnBrk="0" hangingPunct="1">
+              <a:lnSpc>
+                <a:spcPct val="100000"/>
+              </a:lnSpc>
+              <a:buClrTx/>
+              <a:buSzTx/>
+              <a:buFontTx/>
+              <a:buNone/>
+              <a:tabLst/>
+              <a:defRPr/>
+            </a:pPr>
+            <a:r>
+              <a:rPr kumimoji="0" lang="en-US" sz="3200" b="1" u="none" strike="noStrike" kern="1200" cap="none" spc="0" normalizeH="0" baseline="0" noProof="0" dirty="0">
+                <a:ln>
+                  <a:noFill/>
+                </a:ln>
+                <a:solidFill>
+                  <a:srgbClr val="6A6B6C"/>
+                </a:solidFill>
+                <a:effectLst/>
+                <a:uLnTx/>
+                <a:uFillTx/>
+                <a:latin typeface="Calibri" panose="020F0502020204030204" pitchFamily="34" charset="0"/>
+                <a:ea typeface="+mn-ea"/>
+                <a:cs typeface="Calibri" panose="020F0502020204030204" pitchFamily="34" charset="0"/>
+              </a:rPr>
+              <a:t>You will not hear any sound </a:t>
+            </a:r>
+            <a:br>
+              <a:rPr kumimoji="0" lang="en-US" sz="3200" b="1" u="none" strike="noStrike" kern="1200" cap="none" spc="0" normalizeH="0" baseline="0" noProof="0" dirty="0">
+                <a:ln>
+                  <a:noFill/>
+                </a:ln>
+                <a:solidFill>
+                  <a:srgbClr val="6A6B6C"/>
+                </a:solidFill>
+                <a:effectLst/>
+                <a:uLnTx/>
+                <a:uFillTx/>
+                <a:latin typeface="Calibri" panose="020F0502020204030204" pitchFamily="34" charset="0"/>
+                <a:ea typeface="+mn-ea"/>
+                <a:cs typeface="Calibri" panose="020F0502020204030204" pitchFamily="34" charset="0"/>
+              </a:rPr>
+            </a:br>
+            <a:r>
+              <a:rPr kumimoji="0" lang="en-US" sz="3200" b="1" u="none" strike="noStrike" kern="1200" cap="none" spc="0" normalizeH="0" baseline="0" noProof="0" dirty="0">
+                <a:ln>
+                  <a:noFill/>
+                </a:ln>
+                <a:solidFill>
+                  <a:srgbClr val="6A6B6C"/>
+                </a:solidFill>
+                <a:effectLst/>
+                <a:uLnTx/>
+                <a:uFillTx/>
+                <a:latin typeface="Calibri" panose="020F0502020204030204" pitchFamily="34" charset="0"/>
+                <a:ea typeface="+mn-ea"/>
+                <a:cs typeface="Calibri" panose="020F0502020204030204" pitchFamily="34" charset="0"/>
+              </a:rPr>
+              <a:t>until the webinar starts.</a:t>
+            </a:r>
+            <a:endParaRPr lang="en-US" sz="2800" b="1" dirty="0">
+              <a:solidFill>
+                <a:srgbClr val="5F5F5F"/>
+              </a:solidFill>
+              <a:latin typeface="Calibri" panose="020F0502020204030204" pitchFamily="34" charset="0"/>
+              <a:cs typeface="Calibri" panose="020F0502020204030204" pitchFamily="34" charset="0"/>
+            </a:endParaRPr>
+          </a:p>
+          <a:p>
+            <a:pPr lvl="0">
+              <a:spcBef>
+                <a:spcPts val="900"/>
+              </a:spcBef>
+              <a:defRPr/>
+            </a:pPr>
+            <a:r>
+              <a:rPr lang="en-US" sz="2600" b="1" dirty="0">
+                <a:solidFill>
+                  <a:schemeClr val="accent1">
+                    <a:lumMod val="75000"/>
+                  </a:schemeClr>
+                </a:solidFill>
+                <a:latin typeface="Calibri" panose="020F0502020204030204" pitchFamily="34" charset="0"/>
+                <a:cs typeface="Calibri" panose="020F0502020204030204" pitchFamily="34" charset="0"/>
+              </a:rPr>
+              <a:t>Connect Audio</a:t>
+            </a:r>
+          </a:p>
+          <a:p>
+            <a:pPr marL="457200" lvl="0" indent="-457200">
+              <a:buFont typeface="+mj-lt"/>
+              <a:buAutoNum type="arabicPeriod"/>
+              <a:defRPr/>
+            </a:pPr>
+            <a:r>
+              <a:rPr lang="en-US" sz="2200" dirty="0">
+                <a:solidFill>
+                  <a:srgbClr val="5F5F5F"/>
+                </a:solidFill>
+                <a:latin typeface="Calibri" panose="020F0502020204030204" pitchFamily="34" charset="0"/>
+                <a:cs typeface="Calibri" panose="020F0502020204030204" pitchFamily="34" charset="0"/>
+              </a:rPr>
+              <a:t>When you join Zoom, the </a:t>
+            </a:r>
+            <a:r>
+              <a:rPr lang="en-US" sz="2200" b="1" i="1" dirty="0">
+                <a:solidFill>
+                  <a:srgbClr val="5F5F5F"/>
+                </a:solidFill>
+                <a:latin typeface="Calibri" panose="020F0502020204030204" pitchFamily="34" charset="0"/>
+                <a:cs typeface="Calibri" panose="020F0502020204030204" pitchFamily="34" charset="0"/>
+              </a:rPr>
+              <a:t>Join Audio </a:t>
+            </a:r>
+            <a:r>
+              <a:rPr lang="en-US" sz="2200" dirty="0">
+                <a:solidFill>
+                  <a:srgbClr val="5F5F5F"/>
+                </a:solidFill>
+                <a:latin typeface="Calibri" panose="020F0502020204030204" pitchFamily="34" charset="0"/>
+                <a:cs typeface="Calibri" panose="020F0502020204030204" pitchFamily="34" charset="0"/>
+              </a:rPr>
+              <a:t>preferences box pops-up (Phone Call, Computer Audio, or Call Me)</a:t>
+            </a:r>
+          </a:p>
+          <a:p>
+            <a:pPr marL="457200" lvl="0" indent="-457200">
+              <a:buFont typeface="+mj-lt"/>
+              <a:buAutoNum type="arabicPeriod"/>
+              <a:defRPr/>
+            </a:pPr>
+            <a:r>
+              <a:rPr lang="en-US" sz="2200" dirty="0">
+                <a:solidFill>
+                  <a:srgbClr val="5F5F5F"/>
+                </a:solidFill>
+                <a:latin typeface="Calibri" panose="020F0502020204030204" pitchFamily="34" charset="0"/>
+                <a:cs typeface="Calibri" panose="020F0502020204030204" pitchFamily="34" charset="0"/>
+              </a:rPr>
+              <a:t>Choose an option that works best for you</a:t>
+            </a:r>
+          </a:p>
+          <a:p>
+            <a:pPr marL="457200" lvl="0" indent="-457200">
+              <a:buFont typeface="+mj-lt"/>
+              <a:buAutoNum type="arabicPeriod"/>
+              <a:defRPr/>
+            </a:pPr>
+            <a:r>
+              <a:rPr lang="en-US" sz="2200" dirty="0">
+                <a:solidFill>
+                  <a:srgbClr val="5F5F5F"/>
+                </a:solidFill>
+                <a:latin typeface="Calibri" panose="020F0502020204030204" pitchFamily="34" charset="0"/>
+                <a:cs typeface="Calibri" panose="020F0502020204030204" pitchFamily="34" charset="0"/>
+              </a:rPr>
+              <a:t>Join using that option</a:t>
+            </a:r>
+          </a:p>
+          <a:p>
+            <a:pPr marL="457200" lvl="0" indent="-457200">
+              <a:buFont typeface="+mj-lt"/>
+              <a:buAutoNum type="arabicPeriod"/>
+              <a:defRPr/>
+            </a:pPr>
+            <a:r>
+              <a:rPr lang="en-US" sz="2200" dirty="0">
+                <a:solidFill>
+                  <a:srgbClr val="5F5F5F"/>
+                </a:solidFill>
+                <a:latin typeface="Calibri" panose="020F0502020204030204" pitchFamily="34" charset="0"/>
+                <a:cs typeface="Calibri" panose="020F0502020204030204" pitchFamily="34" charset="0"/>
+              </a:rPr>
+              <a:t>Use Test Speakers and Microphone option to optimize your </a:t>
+            </a:r>
+            <a:r>
+              <a:rPr lang="en-US" sz="2200">
+                <a:solidFill>
+                  <a:srgbClr val="5F5F5F"/>
+                </a:solidFill>
+                <a:latin typeface="Calibri" panose="020F0502020204030204" pitchFamily="34" charset="0"/>
+                <a:cs typeface="Calibri" panose="020F0502020204030204" pitchFamily="34" charset="0"/>
+              </a:rPr>
+              <a:t>webinar experience</a:t>
+            </a:r>
+            <a:endParaRPr lang="en-US" sz="2200" dirty="0">
+              <a:solidFill>
+                <a:srgbClr val="5F5F5F"/>
+              </a:solidFill>
+              <a:latin typeface="Calibri" panose="020F0502020204030204" pitchFamily="34" charset="0"/>
+              <a:cs typeface="Calibri" panose="020F0502020204030204" pitchFamily="34" charset="0"/>
+            </a:endParaRPr>
+          </a:p>
+          <a:p>
+            <a:pPr>
+              <a:spcBef>
+                <a:spcPts val="900"/>
+              </a:spcBef>
+              <a:defRPr/>
+            </a:pPr>
+            <a:r>
+              <a:rPr lang="en-US" sz="2600" b="1" dirty="0">
+                <a:solidFill>
+                  <a:schemeClr val="accent1">
+                    <a:lumMod val="75000"/>
+                  </a:schemeClr>
+                </a:solidFill>
+                <a:latin typeface="Calibri" panose="020F0502020204030204" pitchFamily="34" charset="0"/>
+                <a:cs typeface="Calibri" panose="020F0502020204030204" pitchFamily="34" charset="0"/>
+              </a:rPr>
+              <a:t>Chat</a:t>
+            </a:r>
+          </a:p>
+          <a:p>
+            <a:pPr>
+              <a:defRPr/>
+            </a:pPr>
+            <a:r>
+              <a:rPr lang="en-US" sz="2200" dirty="0">
+                <a:solidFill>
+                  <a:srgbClr val="6A6B6C"/>
+                </a:solidFill>
+                <a:latin typeface="Calibri" panose="020F0502020204030204" pitchFamily="34" charset="0"/>
+                <a:cs typeface="Calibri" panose="020F0502020204030204" pitchFamily="34" charset="0"/>
+              </a:rPr>
+              <a:t>Please send your chat to </a:t>
+            </a:r>
+            <a:r>
+              <a:rPr lang="en-US" sz="2200" b="1" i="1" dirty="0">
+                <a:solidFill>
+                  <a:srgbClr val="5F5F5F"/>
+                </a:solidFill>
+                <a:latin typeface="Calibri" panose="020F0502020204030204" pitchFamily="34" charset="0"/>
+                <a:cs typeface="Calibri" panose="020F0502020204030204" pitchFamily="34" charset="0"/>
+              </a:rPr>
+              <a:t>Everyone </a:t>
+            </a:r>
+            <a:r>
+              <a:rPr lang="en-US" sz="2200" dirty="0">
+                <a:solidFill>
+                  <a:srgbClr val="6A6B6C"/>
+                </a:solidFill>
+                <a:latin typeface="Calibri" panose="020F0502020204030204" pitchFamily="34" charset="0"/>
+                <a:cs typeface="Calibri" panose="020F0502020204030204" pitchFamily="34" charset="0"/>
+              </a:rPr>
+              <a:t>to make sure </a:t>
+            </a:r>
+            <a:br>
+              <a:rPr lang="en-US" sz="2200" dirty="0">
+                <a:solidFill>
+                  <a:srgbClr val="6A6B6C"/>
+                </a:solidFill>
+                <a:latin typeface="Calibri" panose="020F0502020204030204" pitchFamily="34" charset="0"/>
+                <a:cs typeface="Calibri" panose="020F0502020204030204" pitchFamily="34" charset="0"/>
+              </a:rPr>
+            </a:br>
+            <a:r>
+              <a:rPr lang="en-US" sz="2200" dirty="0">
+                <a:solidFill>
+                  <a:srgbClr val="6A6B6C"/>
+                </a:solidFill>
+                <a:latin typeface="Calibri" panose="020F0502020204030204" pitchFamily="34" charset="0"/>
+                <a:cs typeface="Calibri" panose="020F0502020204030204" pitchFamily="34" charset="0"/>
+              </a:rPr>
+              <a:t>the monitor sees your question</a:t>
+            </a:r>
+            <a:endParaRPr kumimoji="0" lang="en-US" sz="2200" b="0" i="0" u="none" strike="noStrike" kern="1200" cap="none" spc="0" normalizeH="0" baseline="0" noProof="0" dirty="0">
+              <a:ln>
+                <a:noFill/>
+              </a:ln>
+              <a:solidFill>
+                <a:prstClr val="black"/>
+              </a:solidFill>
+              <a:effectLst/>
+              <a:uLnTx/>
+              <a:uFillTx/>
+              <a:latin typeface="Calibri" panose="020F0502020204030204" pitchFamily="34" charset="0"/>
+              <a:ea typeface="+mn-ea"/>
+              <a:cs typeface="Calibri" panose="020F0502020204030204" pitchFamily="34" charset="0"/>
+            </a:endParaRPr>
           </a:p>
         </p:txBody>
       </p:sp>
-      <p:grpSp>
-        <p:nvGrpSpPr>
-          <p:cNvPr id="18" name="Group 17">
+      <p:pic>
+        <p:nvPicPr>
+          <p:cNvPr id="17" name="Picture 16">
             <a:extLst>
               <a:ext uri="{FF2B5EF4-FFF2-40B4-BE49-F238E27FC236}">
-                <a16:creationId xmlns:a16="http://schemas.microsoft.com/office/drawing/2014/main" id="{E4A7C5C7-F1F7-450B-9547-2B3D118EA818}"/>
+                <a16:creationId xmlns:a16="http://schemas.microsoft.com/office/drawing/2014/main" id="{81DFFF9D-9106-4961-81A0-547B6791D55A}"/>
               </a:ext>
             </a:extLst>
           </p:cNvPr>
-          <p:cNvGrpSpPr/>
+          <p:cNvPicPr>
+            <a:picLocks noChangeAspect="1"/>
+          </p:cNvPicPr>
           <p:nvPr/>
-        </p:nvGrpSpPr>
-        <p:grpSpPr>
+        </p:nvPicPr>
+        <p:blipFill>
+          <a:blip r:embed="rId3">
+            <a:extLst>
+              <a:ext uri="{28A0092B-C50C-407E-A947-70E740481C1C}">
+                <a14:useLocalDpi xmlns:a14="http://schemas.microsoft.com/office/drawing/2010/main" val="0"/>
+              </a:ext>
+            </a:extLst>
+          </a:blip>
+          <a:srcRect/>
+          <a:stretch/>
+        </p:blipFill>
+        <p:spPr>
           <a:xfrm>
-            <a:off x="8638361" y="4107735"/>
-            <a:ext cx="2830238" cy="1975044"/>
-            <a:chOff x="8393264" y="4051174"/>
-            <a:chExt cx="2830238" cy="1975044"/>
+            <a:off x="7583751" y="4539984"/>
+            <a:ext cx="3699657" cy="1039903"/>
           </a:xfrm>
-        </p:grpSpPr>
-        <p:pic>
-          <p:nvPicPr>
-            <p:cNvPr id="17" name="Picture 16">
-              <a:extLst>
-                <a:ext uri="{FF2B5EF4-FFF2-40B4-BE49-F238E27FC236}">
-                  <a16:creationId xmlns:a16="http://schemas.microsoft.com/office/drawing/2014/main" id="{81DFFF9D-9106-4961-81A0-547B6791D55A}"/>
-                </a:ext>
-              </a:extLst>
-            </p:cNvPr>
-            <p:cNvPicPr>
-              <a:picLocks noChangeAspect="1"/>
-            </p:cNvPicPr>
-            <p:nvPr/>
-          </p:nvPicPr>
-          <p:blipFill>
-            <a:blip r:embed="rId4">
-              <a:extLst>
-                <a:ext uri="{28A0092B-C50C-407E-A947-70E740481C1C}">
-                  <a14:useLocalDpi xmlns:a14="http://schemas.microsoft.com/office/drawing/2010/main" val="0"/>
-                </a:ext>
-              </a:extLst>
-            </a:blip>
-            <a:stretch>
-              <a:fillRect/>
-            </a:stretch>
-          </p:blipFill>
-          <p:spPr>
-            <a:xfrm>
-              <a:off x="8393264" y="4051174"/>
-              <a:ext cx="2272068" cy="1960333"/>
-            </a:xfrm>
-            <a:prstGeom prst="rect">
-              <a:avLst/>
-            </a:prstGeom>
-            <a:effectLst>
-              <a:outerShdw blurRad="50800" dist="38100" dir="2700000" algn="tl" rotWithShape="0">
-                <a:prstClr val="black">
-                  <a:alpha val="40000"/>
-                </a:prstClr>
-              </a:outerShdw>
-            </a:effectLst>
-          </p:spPr>
-        </p:pic>
-        <p:sp>
-          <p:nvSpPr>
-            <p:cNvPr id="13" name="Arrow: Left 12">
-              <a:extLst>
-                <a:ext uri="{FF2B5EF4-FFF2-40B4-BE49-F238E27FC236}">
-                  <a16:creationId xmlns:a16="http://schemas.microsoft.com/office/drawing/2014/main" id="{AE685A42-3200-4E5E-AF55-F4BCD9FB8B56}"/>
-                </a:ext>
-              </a:extLst>
-            </p:cNvPr>
-            <p:cNvSpPr/>
-            <p:nvPr/>
-          </p:nvSpPr>
-          <p:spPr>
-            <a:xfrm>
-              <a:off x="10107162" y="5406763"/>
-              <a:ext cx="1116340" cy="619455"/>
-            </a:xfrm>
-            <a:prstGeom prst="leftArrow">
-              <a:avLst/>
-            </a:prstGeom>
-            <a:solidFill>
-              <a:srgbClr val="C00000"/>
-            </a:solidFill>
-            <a:ln w="38100">
-              <a:solidFill>
-                <a:schemeClr val="tx1"/>
-              </a:solidFill>
-            </a:ln>
-          </p:spPr>
-          <p:style>
-            <a:lnRef idx="2">
-              <a:schemeClr val="accent2">
-                <a:shade val="50000"/>
-              </a:schemeClr>
-            </a:lnRef>
-            <a:fillRef idx="1">
-              <a:schemeClr val="accent2"/>
-            </a:fillRef>
-            <a:effectRef idx="0">
-              <a:schemeClr val="accent2"/>
-            </a:effectRef>
-            <a:fontRef idx="minor">
-              <a:schemeClr val="lt1"/>
-            </a:fontRef>
-          </p:style>
-          <p:txBody>
-            <a:bodyPr rtlCol="0" anchor="ctr"/>
-            <a:lstStyle/>
-            <a:p>
-              <a:pPr algn="ctr"/>
-              <a:endParaRPr lang="en-US"/>
-            </a:p>
-          </p:txBody>
-        </p:sp>
-      </p:grpSp>
+          <a:prstGeom prst="rect">
+            <a:avLst/>
+          </a:prstGeom>
+          <a:effectLst>
+            <a:outerShdw blurRad="50800" dist="38100" dir="2700000" algn="tl" rotWithShape="0">
+              <a:prstClr val="black">
+                <a:alpha val="40000"/>
+              </a:prstClr>
+            </a:outerShdw>
+          </a:effectLst>
+        </p:spPr>
+      </p:pic>
     </p:spTree>
     <p:extLst>
       <p:ext uri="{BB962C8B-B14F-4D97-AF65-F5344CB8AC3E}">
-        <p14:creationId xmlns:p14="http://schemas.microsoft.com/office/powerpoint/2010/main" val="1818398952"/>
+        <p14:creationId xmlns:p14="http://schemas.microsoft.com/office/powerpoint/2010/main" val="563290149"/>
       </p:ext>
     </p:extLst>
   </p:cSld>
@@ -5839,92 +5633,6 @@
 </file>
 
 <file path=ppt/slides/slide10.xml><?xml version="1.0" encoding="utf-8"?>
-<p:sld xmlns:a="http://schemas.openxmlformats.org/drawingml/2006/main" xmlns:r="http://schemas.openxmlformats.org/officeDocument/2006/relationships" xmlns:p="http://schemas.openxmlformats.org/presentationml/2006/main">
-  <p:cSld>
-    <p:spTree>
-      <p:nvGrpSpPr>
-        <p:cNvPr id="1" name=""/>
-        <p:cNvGrpSpPr/>
-        <p:nvPr/>
-      </p:nvGrpSpPr>
-      <p:grpSpPr>
-        <a:xfrm>
-          <a:off x="0" y="0"/>
-          <a:ext cx="0" cy="0"/>
-          <a:chOff x="0" y="0"/>
-          <a:chExt cx="0" cy="0"/>
-        </a:xfrm>
-      </p:grpSpPr>
-      <p:sp>
-        <p:nvSpPr>
-          <p:cNvPr id="2" name="Title 1">
-            <a:extLst>
-              <a:ext uri="{FF2B5EF4-FFF2-40B4-BE49-F238E27FC236}">
-                <a16:creationId xmlns:a16="http://schemas.microsoft.com/office/drawing/2014/main" id="{0CBD8440-B870-F737-CD06-2E874A553E5D}"/>
-              </a:ext>
-            </a:extLst>
-          </p:cNvPr>
-          <p:cNvSpPr>
-            <a:spLocks noGrp="1"/>
-          </p:cNvSpPr>
-          <p:nvPr>
-            <p:ph type="title"/>
-          </p:nvPr>
-        </p:nvSpPr>
-        <p:spPr/>
-        <p:txBody>
-          <a:bodyPr/>
-          <a:lstStyle/>
-          <a:p>
-            <a:r>
-              <a:rPr lang="en-US" dirty="0"/>
-              <a:t>Practices for Managing Projects</a:t>
-            </a:r>
-          </a:p>
-        </p:txBody>
-      </p:sp>
-      <p:sp>
-        <p:nvSpPr>
-          <p:cNvPr id="3" name="Content Placeholder 2">
-            <a:extLst>
-              <a:ext uri="{FF2B5EF4-FFF2-40B4-BE49-F238E27FC236}">
-                <a16:creationId xmlns:a16="http://schemas.microsoft.com/office/drawing/2014/main" id="{026BC183-0642-DDA2-10EE-B08C2DE60A5E}"/>
-              </a:ext>
-            </a:extLst>
-          </p:cNvPr>
-          <p:cNvSpPr>
-            <a:spLocks noGrp="1"/>
-          </p:cNvSpPr>
-          <p:nvPr>
-            <p:ph idx="1"/>
-          </p:nvPr>
-        </p:nvSpPr>
-        <p:spPr/>
-        <p:txBody>
-          <a:bodyPr/>
-          <a:lstStyle/>
-          <a:p>
-            <a:r>
-              <a:rPr lang="en-US" dirty="0"/>
-              <a:t>START WHEN I GET BACK TO THE OFFICE ON AUG 1</a:t>
-            </a:r>
-          </a:p>
-        </p:txBody>
-      </p:sp>
-    </p:spTree>
-    <p:extLst>
-      <p:ext uri="{BB962C8B-B14F-4D97-AF65-F5344CB8AC3E}">
-        <p14:creationId xmlns:p14="http://schemas.microsoft.com/office/powerpoint/2010/main" val="2082267965"/>
-      </p:ext>
-    </p:extLst>
-  </p:cSld>
-  <p:clrMapOvr>
-    <a:masterClrMapping/>
-  </p:clrMapOvr>
-</p:sld>
-</file>
-
-<file path=ppt/slides/slide11.xml><?xml version="1.0" encoding="utf-8"?>
 <p:sld xmlns:a="http://schemas.openxmlformats.org/drawingml/2006/main" xmlns:r="http://schemas.openxmlformats.org/officeDocument/2006/relationships" xmlns:p="http://schemas.openxmlformats.org/presentationml/2006/main">
   <p:cSld>
     <p:spTree>
@@ -6380,7 +6088,7 @@
 </p:sld>
 </file>
 
-<file path=ppt/slides/slide12.xml><?xml version="1.0" encoding="utf-8"?>
+<file path=ppt/slides/slide11.xml><?xml version="1.0" encoding="utf-8"?>
 <p:sld xmlns:a="http://schemas.openxmlformats.org/drawingml/2006/main" xmlns:r="http://schemas.openxmlformats.org/officeDocument/2006/relationships" xmlns:p="http://schemas.openxmlformats.org/presentationml/2006/main">
   <p:cSld>
     <p:spTree>
@@ -6433,7 +6141,7 @@
 </p:sld>
 </file>
 
-<file path=ppt/slides/slide13.xml><?xml version="1.0" encoding="utf-8"?>
+<file path=ppt/slides/slide12.xml><?xml version="1.0" encoding="utf-8"?>
 <p:sld xmlns:a="http://schemas.openxmlformats.org/drawingml/2006/main" xmlns:r="http://schemas.openxmlformats.org/officeDocument/2006/relationships" xmlns:p="http://schemas.openxmlformats.org/presentationml/2006/main">
   <p:cSld>
     <p:spTree>
@@ -6482,466 +6190,6 @@
       </p:grpSpPr>
       <p:sp>
         <p:nvSpPr>
-          <p:cNvPr id="2" name="Title 1">
-            <a:extLst>
-              <a:ext uri="{FF2B5EF4-FFF2-40B4-BE49-F238E27FC236}">
-                <a16:creationId xmlns:a16="http://schemas.microsoft.com/office/drawing/2014/main" id="{52B0AEF2-D074-4EEC-B357-025EAF8610DE}"/>
-              </a:ext>
-            </a:extLst>
-          </p:cNvPr>
-          <p:cNvSpPr>
-            <a:spLocks noGrp="1"/>
-          </p:cNvSpPr>
-          <p:nvPr>
-            <p:ph type="title"/>
-          </p:nvPr>
-        </p:nvSpPr>
-        <p:spPr/>
-        <p:txBody>
-          <a:bodyPr/>
-          <a:lstStyle/>
-          <a:p>
-            <a:r>
-              <a:rPr lang="en-US" dirty="0"/>
-              <a:t>Audio Connection and Chat (Zoom)</a:t>
-            </a:r>
-          </a:p>
-        </p:txBody>
-      </p:sp>
-      <p:pic>
-        <p:nvPicPr>
-          <p:cNvPr id="5" name="Content Placeholder 4">
-            <a:extLst>
-              <a:ext uri="{FF2B5EF4-FFF2-40B4-BE49-F238E27FC236}">
-                <a16:creationId xmlns:a16="http://schemas.microsoft.com/office/drawing/2014/main" id="{AF1FAB50-11B1-49B0-B7EE-36B462CA2A24}"/>
-              </a:ext>
-            </a:extLst>
-          </p:cNvPr>
-          <p:cNvPicPr>
-            <a:picLocks noGrp="1" noChangeAspect="1"/>
-          </p:cNvPicPr>
-          <p:nvPr>
-            <p:ph sz="half" idx="2"/>
-          </p:nvPr>
-        </p:nvPicPr>
-        <p:blipFill>
-          <a:blip r:embed="rId2">
-            <a:extLst>
-              <a:ext uri="{28A0092B-C50C-407E-A947-70E740481C1C}">
-                <a14:useLocalDpi xmlns:a14="http://schemas.microsoft.com/office/drawing/2010/main" val="0"/>
-              </a:ext>
-            </a:extLst>
-          </a:blip>
-          <a:srcRect/>
-          <a:stretch/>
-        </p:blipFill>
-        <p:spPr>
-          <a:xfrm>
-            <a:off x="6918979" y="1040973"/>
-            <a:ext cx="5029200" cy="3079829"/>
-          </a:xfrm>
-          <a:prstGeom prst="rect">
-            <a:avLst/>
-          </a:prstGeom>
-          <a:ln w="38100" cap="sq">
-            <a:noFill/>
-            <a:prstDash val="solid"/>
-            <a:miter lim="800000"/>
-          </a:ln>
-          <a:effectLst>
-            <a:outerShdw blurRad="50800" dist="38100" dir="2700000" algn="tl" rotWithShape="0">
-              <a:srgbClr val="000000">
-                <a:alpha val="43000"/>
-              </a:srgbClr>
-            </a:outerShdw>
-          </a:effectLst>
-        </p:spPr>
-      </p:pic>
-      <p:sp>
-        <p:nvSpPr>
-          <p:cNvPr id="6" name="Rectangle 5">
-            <a:extLst>
-              <a:ext uri="{FF2B5EF4-FFF2-40B4-BE49-F238E27FC236}">
-                <a16:creationId xmlns:a16="http://schemas.microsoft.com/office/drawing/2014/main" id="{C835E23B-5CCA-4ABF-A605-55B5E72F7D40}"/>
-              </a:ext>
-            </a:extLst>
-          </p:cNvPr>
-          <p:cNvSpPr/>
-          <p:nvPr/>
-        </p:nvSpPr>
-        <p:spPr>
-          <a:xfrm>
-            <a:off x="330003" y="991784"/>
-            <a:ext cx="6467839" cy="5155257"/>
-          </a:xfrm>
-          <a:prstGeom prst="rect">
-            <a:avLst/>
-          </a:prstGeom>
-        </p:spPr>
-        <p:txBody>
-          <a:bodyPr wrap="square">
-            <a:spAutoFit/>
-          </a:bodyPr>
-          <a:lstStyle/>
-          <a:p>
-            <a:pPr marL="0" marR="0" lvl="0" indent="0" algn="l" defTabSz="914400" rtl="0" eaLnBrk="1" fontAlgn="auto" latinLnBrk="0" hangingPunct="1">
-              <a:lnSpc>
-                <a:spcPct val="100000"/>
-              </a:lnSpc>
-              <a:buClrTx/>
-              <a:buSzTx/>
-              <a:buFontTx/>
-              <a:buNone/>
-              <a:tabLst/>
-              <a:defRPr/>
-            </a:pPr>
-            <a:r>
-              <a:rPr kumimoji="0" lang="en-US" sz="3200" b="1" u="none" strike="noStrike" kern="1200" cap="none" spc="0" normalizeH="0" baseline="0" noProof="0" dirty="0">
-                <a:ln>
-                  <a:noFill/>
-                </a:ln>
-                <a:solidFill>
-                  <a:srgbClr val="6A6B6C"/>
-                </a:solidFill>
-                <a:effectLst/>
-                <a:uLnTx/>
-                <a:uFillTx/>
-                <a:latin typeface="Calibri" panose="020F0502020204030204" pitchFamily="34" charset="0"/>
-                <a:ea typeface="+mn-ea"/>
-                <a:cs typeface="Calibri" panose="020F0502020204030204" pitchFamily="34" charset="0"/>
-              </a:rPr>
-              <a:t>You will not hear any sound </a:t>
-            </a:r>
-            <a:br>
-              <a:rPr kumimoji="0" lang="en-US" sz="3200" b="1" u="none" strike="noStrike" kern="1200" cap="none" spc="0" normalizeH="0" baseline="0" noProof="0" dirty="0">
-                <a:ln>
-                  <a:noFill/>
-                </a:ln>
-                <a:solidFill>
-                  <a:srgbClr val="6A6B6C"/>
-                </a:solidFill>
-                <a:effectLst/>
-                <a:uLnTx/>
-                <a:uFillTx/>
-                <a:latin typeface="Calibri" panose="020F0502020204030204" pitchFamily="34" charset="0"/>
-                <a:ea typeface="+mn-ea"/>
-                <a:cs typeface="Calibri" panose="020F0502020204030204" pitchFamily="34" charset="0"/>
-              </a:rPr>
-            </a:br>
-            <a:r>
-              <a:rPr kumimoji="0" lang="en-US" sz="3200" b="1" u="none" strike="noStrike" kern="1200" cap="none" spc="0" normalizeH="0" baseline="0" noProof="0" dirty="0">
-                <a:ln>
-                  <a:noFill/>
-                </a:ln>
-                <a:solidFill>
-                  <a:srgbClr val="6A6B6C"/>
-                </a:solidFill>
-                <a:effectLst/>
-                <a:uLnTx/>
-                <a:uFillTx/>
-                <a:latin typeface="Calibri" panose="020F0502020204030204" pitchFamily="34" charset="0"/>
-                <a:ea typeface="+mn-ea"/>
-                <a:cs typeface="Calibri" panose="020F0502020204030204" pitchFamily="34" charset="0"/>
-              </a:rPr>
-              <a:t>until the webinar starts.</a:t>
-            </a:r>
-            <a:endParaRPr lang="en-US" sz="2800" b="1" dirty="0">
-              <a:solidFill>
-                <a:srgbClr val="5F5F5F"/>
-              </a:solidFill>
-              <a:latin typeface="Calibri" panose="020F0502020204030204" pitchFamily="34" charset="0"/>
-              <a:cs typeface="Calibri" panose="020F0502020204030204" pitchFamily="34" charset="0"/>
-            </a:endParaRPr>
-          </a:p>
-          <a:p>
-            <a:pPr lvl="0">
-              <a:spcBef>
-                <a:spcPts val="900"/>
-              </a:spcBef>
-              <a:defRPr/>
-            </a:pPr>
-            <a:r>
-              <a:rPr lang="en-US" sz="2600" b="1" dirty="0">
-                <a:solidFill>
-                  <a:schemeClr val="accent1">
-                    <a:lumMod val="75000"/>
-                  </a:schemeClr>
-                </a:solidFill>
-                <a:latin typeface="Calibri" panose="020F0502020204030204" pitchFamily="34" charset="0"/>
-                <a:cs typeface="Calibri" panose="020F0502020204030204" pitchFamily="34" charset="0"/>
-              </a:rPr>
-              <a:t>Connect Audio</a:t>
-            </a:r>
-          </a:p>
-          <a:p>
-            <a:pPr marL="457200" lvl="0" indent="-457200">
-              <a:buFont typeface="+mj-lt"/>
-              <a:buAutoNum type="arabicPeriod"/>
-              <a:defRPr/>
-            </a:pPr>
-            <a:r>
-              <a:rPr lang="en-US" sz="2200" dirty="0">
-                <a:solidFill>
-                  <a:srgbClr val="5F5F5F"/>
-                </a:solidFill>
-                <a:latin typeface="Calibri" panose="020F0502020204030204" pitchFamily="34" charset="0"/>
-                <a:cs typeface="Calibri" panose="020F0502020204030204" pitchFamily="34" charset="0"/>
-              </a:rPr>
-              <a:t>When you join Zoom, the </a:t>
-            </a:r>
-            <a:r>
-              <a:rPr lang="en-US" sz="2200" b="1" i="1" dirty="0">
-                <a:solidFill>
-                  <a:srgbClr val="5F5F5F"/>
-                </a:solidFill>
-                <a:latin typeface="Calibri" panose="020F0502020204030204" pitchFamily="34" charset="0"/>
-                <a:cs typeface="Calibri" panose="020F0502020204030204" pitchFamily="34" charset="0"/>
-              </a:rPr>
-              <a:t>Join Audio </a:t>
-            </a:r>
-            <a:r>
-              <a:rPr lang="en-US" sz="2200" dirty="0">
-                <a:solidFill>
-                  <a:srgbClr val="5F5F5F"/>
-                </a:solidFill>
-                <a:latin typeface="Calibri" panose="020F0502020204030204" pitchFamily="34" charset="0"/>
-                <a:cs typeface="Calibri" panose="020F0502020204030204" pitchFamily="34" charset="0"/>
-              </a:rPr>
-              <a:t>preferences box pops-up (Phone Call, Computer Audio, or Call Me)</a:t>
-            </a:r>
-          </a:p>
-          <a:p>
-            <a:pPr marL="457200" lvl="0" indent="-457200">
-              <a:buFont typeface="+mj-lt"/>
-              <a:buAutoNum type="arabicPeriod"/>
-              <a:defRPr/>
-            </a:pPr>
-            <a:r>
-              <a:rPr lang="en-US" sz="2200" dirty="0">
-                <a:solidFill>
-                  <a:srgbClr val="5F5F5F"/>
-                </a:solidFill>
-                <a:latin typeface="Calibri" panose="020F0502020204030204" pitchFamily="34" charset="0"/>
-                <a:cs typeface="Calibri" panose="020F0502020204030204" pitchFamily="34" charset="0"/>
-              </a:rPr>
-              <a:t>Choose an option that works best for you</a:t>
-            </a:r>
-          </a:p>
-          <a:p>
-            <a:pPr marL="457200" lvl="0" indent="-457200">
-              <a:buFont typeface="+mj-lt"/>
-              <a:buAutoNum type="arabicPeriod"/>
-              <a:defRPr/>
-            </a:pPr>
-            <a:r>
-              <a:rPr lang="en-US" sz="2200" dirty="0">
-                <a:solidFill>
-                  <a:srgbClr val="5F5F5F"/>
-                </a:solidFill>
-                <a:latin typeface="Calibri" panose="020F0502020204030204" pitchFamily="34" charset="0"/>
-                <a:cs typeface="Calibri" panose="020F0502020204030204" pitchFamily="34" charset="0"/>
-              </a:rPr>
-              <a:t>Join using that option</a:t>
-            </a:r>
-          </a:p>
-          <a:p>
-            <a:pPr marL="457200" lvl="0" indent="-457200">
-              <a:buFont typeface="+mj-lt"/>
-              <a:buAutoNum type="arabicPeriod"/>
-              <a:defRPr/>
-            </a:pPr>
-            <a:r>
-              <a:rPr lang="en-US" sz="2200" dirty="0">
-                <a:solidFill>
-                  <a:srgbClr val="5F5F5F"/>
-                </a:solidFill>
-                <a:latin typeface="Calibri" panose="020F0502020204030204" pitchFamily="34" charset="0"/>
-                <a:cs typeface="Calibri" panose="020F0502020204030204" pitchFamily="34" charset="0"/>
-              </a:rPr>
-              <a:t>Use Test Speakers and Microphone option to optimize your </a:t>
-            </a:r>
-            <a:r>
-              <a:rPr lang="en-US" sz="2200">
-                <a:solidFill>
-                  <a:srgbClr val="5F5F5F"/>
-                </a:solidFill>
-                <a:latin typeface="Calibri" panose="020F0502020204030204" pitchFamily="34" charset="0"/>
-                <a:cs typeface="Calibri" panose="020F0502020204030204" pitchFamily="34" charset="0"/>
-              </a:rPr>
-              <a:t>webinar experience</a:t>
-            </a:r>
-            <a:endParaRPr lang="en-US" sz="2200" dirty="0">
-              <a:solidFill>
-                <a:srgbClr val="5F5F5F"/>
-              </a:solidFill>
-              <a:latin typeface="Calibri" panose="020F0502020204030204" pitchFamily="34" charset="0"/>
-              <a:cs typeface="Calibri" panose="020F0502020204030204" pitchFamily="34" charset="0"/>
-            </a:endParaRPr>
-          </a:p>
-          <a:p>
-            <a:pPr>
-              <a:spcBef>
-                <a:spcPts val="900"/>
-              </a:spcBef>
-              <a:defRPr/>
-            </a:pPr>
-            <a:r>
-              <a:rPr lang="en-US" sz="2600" b="1" dirty="0">
-                <a:solidFill>
-                  <a:schemeClr val="accent1">
-                    <a:lumMod val="75000"/>
-                  </a:schemeClr>
-                </a:solidFill>
-                <a:latin typeface="Calibri" panose="020F0502020204030204" pitchFamily="34" charset="0"/>
-                <a:cs typeface="Calibri" panose="020F0502020204030204" pitchFamily="34" charset="0"/>
-              </a:rPr>
-              <a:t>Chat</a:t>
-            </a:r>
-          </a:p>
-          <a:p>
-            <a:pPr>
-              <a:defRPr/>
-            </a:pPr>
-            <a:r>
-              <a:rPr lang="en-US" sz="2200" dirty="0">
-                <a:solidFill>
-                  <a:srgbClr val="6A6B6C"/>
-                </a:solidFill>
-                <a:latin typeface="Calibri" panose="020F0502020204030204" pitchFamily="34" charset="0"/>
-                <a:cs typeface="Calibri" panose="020F0502020204030204" pitchFamily="34" charset="0"/>
-              </a:rPr>
-              <a:t>Please send your chat to </a:t>
-            </a:r>
-            <a:r>
-              <a:rPr lang="en-US" sz="2200" b="1" i="1" dirty="0">
-                <a:solidFill>
-                  <a:srgbClr val="5F5F5F"/>
-                </a:solidFill>
-                <a:latin typeface="Calibri" panose="020F0502020204030204" pitchFamily="34" charset="0"/>
-                <a:cs typeface="Calibri" panose="020F0502020204030204" pitchFamily="34" charset="0"/>
-              </a:rPr>
-              <a:t>Everyone </a:t>
-            </a:r>
-            <a:r>
-              <a:rPr lang="en-US" sz="2200" dirty="0">
-                <a:solidFill>
-                  <a:srgbClr val="6A6B6C"/>
-                </a:solidFill>
-                <a:latin typeface="Calibri" panose="020F0502020204030204" pitchFamily="34" charset="0"/>
-                <a:cs typeface="Calibri" panose="020F0502020204030204" pitchFamily="34" charset="0"/>
-              </a:rPr>
-              <a:t>to make sure </a:t>
-            </a:r>
-            <a:br>
-              <a:rPr lang="en-US" sz="2200" dirty="0">
-                <a:solidFill>
-                  <a:srgbClr val="6A6B6C"/>
-                </a:solidFill>
-                <a:latin typeface="Calibri" panose="020F0502020204030204" pitchFamily="34" charset="0"/>
-                <a:cs typeface="Calibri" panose="020F0502020204030204" pitchFamily="34" charset="0"/>
-              </a:rPr>
-            </a:br>
-            <a:r>
-              <a:rPr lang="en-US" sz="2200" dirty="0">
-                <a:solidFill>
-                  <a:srgbClr val="6A6B6C"/>
-                </a:solidFill>
-                <a:latin typeface="Calibri" panose="020F0502020204030204" pitchFamily="34" charset="0"/>
-                <a:cs typeface="Calibri" panose="020F0502020204030204" pitchFamily="34" charset="0"/>
-              </a:rPr>
-              <a:t>the monitor sees your question</a:t>
-            </a:r>
-            <a:endParaRPr kumimoji="0" lang="en-US" sz="2200" b="0" i="0" u="none" strike="noStrike" kern="1200" cap="none" spc="0" normalizeH="0" baseline="0" noProof="0" dirty="0">
-              <a:ln>
-                <a:noFill/>
-              </a:ln>
-              <a:solidFill>
-                <a:prstClr val="black"/>
-              </a:solidFill>
-              <a:effectLst/>
-              <a:uLnTx/>
-              <a:uFillTx/>
-              <a:latin typeface="Calibri" panose="020F0502020204030204" pitchFamily="34" charset="0"/>
-              <a:ea typeface="+mn-ea"/>
-              <a:cs typeface="Calibri" panose="020F0502020204030204" pitchFamily="34" charset="0"/>
-            </a:endParaRPr>
-          </a:p>
-        </p:txBody>
-      </p:sp>
-      <p:pic>
-        <p:nvPicPr>
-          <p:cNvPr id="17" name="Picture 16">
-            <a:extLst>
-              <a:ext uri="{FF2B5EF4-FFF2-40B4-BE49-F238E27FC236}">
-                <a16:creationId xmlns:a16="http://schemas.microsoft.com/office/drawing/2014/main" id="{81DFFF9D-9106-4961-81A0-547B6791D55A}"/>
-              </a:ext>
-            </a:extLst>
-          </p:cNvPr>
-          <p:cNvPicPr>
-            <a:picLocks noChangeAspect="1"/>
-          </p:cNvPicPr>
-          <p:nvPr/>
-        </p:nvPicPr>
-        <p:blipFill>
-          <a:blip r:embed="rId3">
-            <a:extLst>
-              <a:ext uri="{28A0092B-C50C-407E-A947-70E740481C1C}">
-                <a14:useLocalDpi xmlns:a14="http://schemas.microsoft.com/office/drawing/2010/main" val="0"/>
-              </a:ext>
-            </a:extLst>
-          </a:blip>
-          <a:srcRect/>
-          <a:stretch/>
-        </p:blipFill>
-        <p:spPr>
-          <a:xfrm>
-            <a:off x="7583751" y="4539984"/>
-            <a:ext cx="3699657" cy="1039903"/>
-          </a:xfrm>
-          <a:prstGeom prst="rect">
-            <a:avLst/>
-          </a:prstGeom>
-          <a:effectLst>
-            <a:outerShdw blurRad="50800" dist="38100" dir="2700000" algn="tl" rotWithShape="0">
-              <a:prstClr val="black">
-                <a:alpha val="40000"/>
-              </a:prstClr>
-            </a:outerShdw>
-          </a:effectLst>
-        </p:spPr>
-      </p:pic>
-    </p:spTree>
-    <p:extLst>
-      <p:ext uri="{BB962C8B-B14F-4D97-AF65-F5344CB8AC3E}">
-        <p14:creationId xmlns:p14="http://schemas.microsoft.com/office/powerpoint/2010/main" val="563290149"/>
-      </p:ext>
-    </p:extLst>
-  </p:cSld>
-  <p:clrMapOvr>
-    <a:masterClrMapping/>
-  </p:clrMapOvr>
-</p:sld>
-</file>
-
-<file path=ppt/slides/slide3.xml><?xml version="1.0" encoding="utf-8"?>
-<p:sld xmlns:a="http://schemas.openxmlformats.org/drawingml/2006/main" xmlns:r="http://schemas.openxmlformats.org/officeDocument/2006/relationships" xmlns:p="http://schemas.openxmlformats.org/presentationml/2006/main">
-  <p:cSld>
-    <p:spTree>
-      <p:nvGrpSpPr>
-        <p:cNvPr id="1" name=""/>
-        <p:cNvGrpSpPr/>
-        <p:nvPr/>
-      </p:nvGrpSpPr>
-      <p:grpSpPr>
-        <a:xfrm>
-          <a:off x="0" y="0"/>
-          <a:ext cx="0" cy="0"/>
-          <a:chOff x="0" y="0"/>
-          <a:chExt cx="0" cy="0"/>
-        </a:xfrm>
-      </p:grpSpPr>
-      <p:sp>
-        <p:nvSpPr>
           <p:cNvPr id="2" name="Title 1"/>
           <p:cNvSpPr>
             <a:spLocks noGrp="1"/>
@@ -7005,7 +6253,7 @@
 </p:sld>
 </file>
 
-<file path=ppt/slides/slide4.xml><?xml version="1.0" encoding="utf-8"?>
+<file path=ppt/slides/slide3.xml><?xml version="1.0" encoding="utf-8"?>
 <p:sld xmlns:a="http://schemas.openxmlformats.org/drawingml/2006/main" xmlns:r="http://schemas.openxmlformats.org/officeDocument/2006/relationships" xmlns:p="http://schemas.openxmlformats.org/presentationml/2006/main">
   <p:cSld>
     <p:spTree>
@@ -7120,7 +6368,7 @@
 </p:sld>
 </file>
 
-<file path=ppt/slides/slide5.xml><?xml version="1.0" encoding="utf-8"?>
+<file path=ppt/slides/slide4.xml><?xml version="1.0" encoding="utf-8"?>
 <p:sld xmlns:a="http://schemas.openxmlformats.org/drawingml/2006/main" xmlns:r="http://schemas.openxmlformats.org/officeDocument/2006/relationships" xmlns:p="http://schemas.openxmlformats.org/presentationml/2006/main">
   <p:cSld>
     <p:spTree>
@@ -7261,7 +6509,7 @@
 </p:sld>
 </file>
 
-<file path=ppt/slides/slide6.xml><?xml version="1.0" encoding="utf-8"?>
+<file path=ppt/slides/slide5.xml><?xml version="1.0" encoding="utf-8"?>
 <p:sld xmlns:a="http://schemas.openxmlformats.org/drawingml/2006/main" xmlns:r="http://schemas.openxmlformats.org/officeDocument/2006/relationships" xmlns:p="http://schemas.openxmlformats.org/presentationml/2006/main">
   <p:cSld>
     <p:spTree>
@@ -7384,7 +6632,7 @@
 </p:sld>
 </file>
 
-<file path=ppt/slides/slide7.xml><?xml version="1.0" encoding="utf-8"?>
+<file path=ppt/slides/slide6.xml><?xml version="1.0" encoding="utf-8"?>
 <p:sld xmlns:a="http://schemas.openxmlformats.org/drawingml/2006/main" xmlns:r="http://schemas.openxmlformats.org/officeDocument/2006/relationships" xmlns:p="http://schemas.openxmlformats.org/presentationml/2006/main">
   <p:cSld>
     <p:spTree>
@@ -7521,7 +6769,7 @@
 </p:sld>
 </file>
 
-<file path=ppt/slides/slide8.xml><?xml version="1.0" encoding="utf-8"?>
+<file path=ppt/slides/slide7.xml><?xml version="1.0" encoding="utf-8"?>
 <p:sld xmlns:a="http://schemas.openxmlformats.org/drawingml/2006/main" xmlns:r="http://schemas.openxmlformats.org/officeDocument/2006/relationships" xmlns:p="http://schemas.openxmlformats.org/presentationml/2006/main">
   <p:cSld>
     <p:spTree>
@@ -7644,7 +6892,7 @@
 </p:sld>
 </file>
 
-<file path=ppt/slides/slide9.xml><?xml version="1.0" encoding="utf-8"?>
+<file path=ppt/slides/slide8.xml><?xml version="1.0" encoding="utf-8"?>
 <p:sld xmlns:a="http://schemas.openxmlformats.org/drawingml/2006/main" xmlns:r="http://schemas.openxmlformats.org/officeDocument/2006/relationships" xmlns:p="http://schemas.openxmlformats.org/presentationml/2006/main">
   <p:cSld>
     <p:spTree>
@@ -7756,6 +7004,92 @@
     <p:extLst>
       <p:ext uri="{BB962C8B-B14F-4D97-AF65-F5344CB8AC3E}">
         <p14:creationId xmlns:p14="http://schemas.microsoft.com/office/powerpoint/2010/main" val="1385740257"/>
+      </p:ext>
+    </p:extLst>
+  </p:cSld>
+  <p:clrMapOvr>
+    <a:masterClrMapping/>
+  </p:clrMapOvr>
+</p:sld>
+</file>
+
+<file path=ppt/slides/slide9.xml><?xml version="1.0" encoding="utf-8"?>
+<p:sld xmlns:a="http://schemas.openxmlformats.org/drawingml/2006/main" xmlns:r="http://schemas.openxmlformats.org/officeDocument/2006/relationships" xmlns:p="http://schemas.openxmlformats.org/presentationml/2006/main">
+  <p:cSld>
+    <p:spTree>
+      <p:nvGrpSpPr>
+        <p:cNvPr id="1" name=""/>
+        <p:cNvGrpSpPr/>
+        <p:nvPr/>
+      </p:nvGrpSpPr>
+      <p:grpSpPr>
+        <a:xfrm>
+          <a:off x="0" y="0"/>
+          <a:ext cx="0" cy="0"/>
+          <a:chOff x="0" y="0"/>
+          <a:chExt cx="0" cy="0"/>
+        </a:xfrm>
+      </p:grpSpPr>
+      <p:sp>
+        <p:nvSpPr>
+          <p:cNvPr id="2" name="Title 1">
+            <a:extLst>
+              <a:ext uri="{FF2B5EF4-FFF2-40B4-BE49-F238E27FC236}">
+                <a16:creationId xmlns:a16="http://schemas.microsoft.com/office/drawing/2014/main" id="{0CBD8440-B870-F737-CD06-2E874A553E5D}"/>
+              </a:ext>
+            </a:extLst>
+          </p:cNvPr>
+          <p:cNvSpPr>
+            <a:spLocks noGrp="1"/>
+          </p:cNvSpPr>
+          <p:nvPr>
+            <p:ph type="title"/>
+          </p:nvPr>
+        </p:nvSpPr>
+        <p:spPr/>
+        <p:txBody>
+          <a:bodyPr/>
+          <a:lstStyle/>
+          <a:p>
+            <a:r>
+              <a:rPr lang="en-US" dirty="0"/>
+              <a:t>Practices for Managing Projects</a:t>
+            </a:r>
+          </a:p>
+        </p:txBody>
+      </p:sp>
+      <p:sp>
+        <p:nvSpPr>
+          <p:cNvPr id="3" name="Content Placeholder 2">
+            <a:extLst>
+              <a:ext uri="{FF2B5EF4-FFF2-40B4-BE49-F238E27FC236}">
+                <a16:creationId xmlns:a16="http://schemas.microsoft.com/office/drawing/2014/main" id="{026BC183-0642-DDA2-10EE-B08C2DE60A5E}"/>
+              </a:ext>
+            </a:extLst>
+          </p:cNvPr>
+          <p:cNvSpPr>
+            <a:spLocks noGrp="1"/>
+          </p:cNvSpPr>
+          <p:nvPr>
+            <p:ph idx="1"/>
+          </p:nvPr>
+        </p:nvSpPr>
+        <p:spPr/>
+        <p:txBody>
+          <a:bodyPr/>
+          <a:lstStyle/>
+          <a:p>
+            <a:r>
+              <a:rPr lang="en-US" dirty="0"/>
+              <a:t>START WHEN I GET BACK TO THE OFFICE ON AUG 1</a:t>
+            </a:r>
+          </a:p>
+        </p:txBody>
+      </p:sp>
+    </p:spTree>
+    <p:extLst>
+      <p:ext uri="{BB962C8B-B14F-4D97-AF65-F5344CB8AC3E}">
+        <p14:creationId xmlns:p14="http://schemas.microsoft.com/office/powerpoint/2010/main" val="2082267965"/>
       </p:ext>
     </p:extLst>
   </p:cSld>
@@ -8641,6 +7975,26 @@
 </file>
 
 <file path=customXml/item1.xml><?xml version="1.0" encoding="utf-8"?>
+<?mso-contentType ?>
+<FormTemplates xmlns="http://schemas.microsoft.com/sharepoint/v3/contenttype/forms">
+  <Display>DocumentLibraryForm</Display>
+  <Edit>DocumentLibraryForm</Edit>
+  <New>DocumentLibraryForm</New>
+</FormTemplates>
+</file>
+
+<file path=customXml/item2.xml><?xml version="1.0" encoding="utf-8"?>
+<p:properties xmlns:p="http://schemas.microsoft.com/office/2006/metadata/properties" xmlns:xsi="http://www.w3.org/2001/XMLSchema-instance" xmlns:pc="http://schemas.microsoft.com/office/infopath/2007/PartnerControls">
+  <documentManagement>
+    <TaxCatchAll xmlns="4aae6841-32d9-425b-8541-f9f698492036" xsi:nil="true"/>
+    <lcf76f155ced4ddcb4097134ff3c332f xmlns="b4a40430-959d-424a-978b-d868a90e61ac">
+      <Terms xmlns="http://schemas.microsoft.com/office/infopath/2007/PartnerControls"/>
+    </lcf76f155ced4ddcb4097134ff3c332f>
+  </documentManagement>
+</p:properties>
+</file>
+
+<file path=customXml/item3.xml><?xml version="1.0" encoding="utf-8"?>
 <ct:contentTypeSchema xmlns:ct="http://schemas.microsoft.com/office/2006/metadata/contentType" xmlns:ma="http://schemas.microsoft.com/office/2006/metadata/properties/metaAttributes" ct:_="" ma:_="" ma:contentTypeName="Document" ma:contentTypeID="0x010100DECF7180703C7A4488DD1993184B0D7D" ma:contentTypeVersion="14" ma:contentTypeDescription="Create a new document." ma:contentTypeScope="" ma:versionID="68b406ed77416a95e279252b50571bf3">
   <xsd:schema xmlns:xsd="http://www.w3.org/2001/XMLSchema" xmlns:xs="http://www.w3.org/2001/XMLSchema" xmlns:p="http://schemas.microsoft.com/office/2006/metadata/properties" xmlns:ns2="b4a40430-959d-424a-978b-d868a90e61ac" xmlns:ns3="4aae6841-32d9-425b-8541-f9f698492036" targetNamespace="http://schemas.microsoft.com/office/2006/metadata/properties" ma:root="true" ma:fieldsID="67567aac615b6ad04ab9e74ef5ee27c8" ns2:_="" ns3:_="">
     <xsd:import namespace="b4a40430-959d-424a-978b-d868a90e61ac"/>
@@ -8869,41 +8223,10 @@
 </ct:contentTypeSchema>
 </file>
 
-<file path=customXml/item2.xml><?xml version="1.0" encoding="utf-8"?>
-<p:properties xmlns:p="http://schemas.microsoft.com/office/2006/metadata/properties" xmlns:xsi="http://www.w3.org/2001/XMLSchema-instance" xmlns:pc="http://schemas.microsoft.com/office/infopath/2007/PartnerControls">
-  <documentManagement>
-    <TaxCatchAll xmlns="4aae6841-32d9-425b-8541-f9f698492036" xsi:nil="true"/>
-    <lcf76f155ced4ddcb4097134ff3c332f xmlns="b4a40430-959d-424a-978b-d868a90e61ac">
-      <Terms xmlns="http://schemas.microsoft.com/office/infopath/2007/PartnerControls"/>
-    </lcf76f155ced4ddcb4097134ff3c332f>
-  </documentManagement>
-</p:properties>
-</file>
-
-<file path=customXml/item3.xml><?xml version="1.0" encoding="utf-8"?>
-<?mso-contentType ?>
-<FormTemplates xmlns="http://schemas.microsoft.com/sharepoint/v3/contenttype/forms">
-  <Display>DocumentLibraryForm</Display>
-  <Edit>DocumentLibraryForm</Edit>
-  <New>DocumentLibraryForm</New>
-</FormTemplates>
-</file>
-
 <file path=customXml/itemProps1.xml><?xml version="1.0" encoding="utf-8"?>
-<ds:datastoreItem xmlns:ds="http://schemas.openxmlformats.org/officeDocument/2006/customXml" ds:itemID="{10DB8E28-BC66-48C6-B069-0E997FA509DC}">
+<ds:datastoreItem xmlns:ds="http://schemas.openxmlformats.org/officeDocument/2006/customXml" ds:itemID="{F6CC4A5B-1F75-4BD7-B163-149A0E183172}">
   <ds:schemaRefs>
-    <ds:schemaRef ds:uri="http://schemas.microsoft.com/office/2006/metadata/contentType"/>
-    <ds:schemaRef ds:uri="http://schemas.microsoft.com/office/2006/metadata/properties/metaAttributes"/>
-    <ds:schemaRef ds:uri="http://www.w3.org/2001/XMLSchema"/>
-    <ds:schemaRef ds:uri="http://schemas.microsoft.com/office/2006/metadata/properties"/>
-    <ds:schemaRef ds:uri="b4a40430-959d-424a-978b-d868a90e61ac"/>
-    <ds:schemaRef ds:uri="4aae6841-32d9-425b-8541-f9f698492036"/>
-    <ds:schemaRef ds:uri="http://schemas.microsoft.com/office/2006/documentManagement/types"/>
-    <ds:schemaRef ds:uri="http://schemas.microsoft.com/office/infopath/2007/PartnerControls"/>
-    <ds:schemaRef ds:uri="http://schemas.openxmlformats.org/package/2006/metadata/core-properties"/>
-    <ds:schemaRef ds:uri="http://purl.org/dc/elements/1.1/"/>
-    <ds:schemaRef ds:uri="http://purl.org/dc/terms/"/>
-    <ds:schemaRef ds:uri="http://schemas.microsoft.com/internal/obd"/>
+    <ds:schemaRef ds:uri="http://schemas.microsoft.com/sharepoint/v3/contenttype/forms"/>
   </ds:schemaRefs>
 </ds:datastoreItem>
 </file>
@@ -8926,9 +8249,20 @@
 </file>
 
 <file path=customXml/itemProps3.xml><?xml version="1.0" encoding="utf-8"?>
-<ds:datastoreItem xmlns:ds="http://schemas.openxmlformats.org/officeDocument/2006/customXml" ds:itemID="{F6CC4A5B-1F75-4BD7-B163-149A0E183172}">
+<ds:datastoreItem xmlns:ds="http://schemas.openxmlformats.org/officeDocument/2006/customXml" ds:itemID="{10DB8E28-BC66-48C6-B069-0E997FA509DC}">
   <ds:schemaRefs>
-    <ds:schemaRef ds:uri="http://schemas.microsoft.com/sharepoint/v3/contenttype/forms"/>
+    <ds:schemaRef ds:uri="http://schemas.microsoft.com/office/2006/metadata/contentType"/>
+    <ds:schemaRef ds:uri="http://schemas.microsoft.com/office/2006/metadata/properties/metaAttributes"/>
+    <ds:schemaRef ds:uri="http://www.w3.org/2001/XMLSchema"/>
+    <ds:schemaRef ds:uri="http://schemas.microsoft.com/office/2006/metadata/properties"/>
+    <ds:schemaRef ds:uri="b4a40430-959d-424a-978b-d868a90e61ac"/>
+    <ds:schemaRef ds:uri="4aae6841-32d9-425b-8541-f9f698492036"/>
+    <ds:schemaRef ds:uri="http://schemas.microsoft.com/office/2006/documentManagement/types"/>
+    <ds:schemaRef ds:uri="http://schemas.microsoft.com/office/infopath/2007/PartnerControls"/>
+    <ds:schemaRef ds:uri="http://schemas.openxmlformats.org/package/2006/metadata/core-properties"/>
+    <ds:schemaRef ds:uri="http://purl.org/dc/elements/1.1/"/>
+    <ds:schemaRef ds:uri="http://purl.org/dc/terms/"/>
+    <ds:schemaRef ds:uri="http://schemas.microsoft.com/internal/obd"/>
   </ds:schemaRefs>
 </ds:datastoreItem>
 </file>